--- a/SUMMARY/W271 STATISTICAL MODEL.pptx
+++ b/SUMMARY/W271 STATISTICAL MODEL.pptx
@@ -260,7 +260,7 @@
           <a:p>
             <a:fld id="{D5DCC788-7C24-4BBC-8D3D-D2AC82902F60}" type="datetimeFigureOut">
               <a:rPr lang="en-US" smtClean="0"/>
-              <a:t>9/7/2017</a:t>
+              <a:t>9/10/2017</a:t>
             </a:fld>
             <a:endParaRPr lang="en-US"/>
           </a:p>
@@ -462,7 +462,7 @@
           <a:p>
             <a:fld id="{D5DCC788-7C24-4BBC-8D3D-D2AC82902F60}" type="datetimeFigureOut">
               <a:rPr lang="en-US" smtClean="0"/>
-              <a:t>9/7/2017</a:t>
+              <a:t>9/10/2017</a:t>
             </a:fld>
             <a:endParaRPr lang="en-US"/>
           </a:p>
@@ -674,7 +674,7 @@
           <a:p>
             <a:fld id="{D5DCC788-7C24-4BBC-8D3D-D2AC82902F60}" type="datetimeFigureOut">
               <a:rPr lang="en-US" smtClean="0"/>
-              <a:t>9/7/2017</a:t>
+              <a:t>9/10/2017</a:t>
             </a:fld>
             <a:endParaRPr lang="en-US"/>
           </a:p>
@@ -876,7 +876,7 @@
           <a:p>
             <a:fld id="{D5DCC788-7C24-4BBC-8D3D-D2AC82902F60}" type="datetimeFigureOut">
               <a:rPr lang="en-US" smtClean="0"/>
-              <a:t>9/7/2017</a:t>
+              <a:t>9/10/2017</a:t>
             </a:fld>
             <a:endParaRPr lang="en-US"/>
           </a:p>
@@ -1122,7 +1122,7 @@
           <a:p>
             <a:fld id="{D5DCC788-7C24-4BBC-8D3D-D2AC82902F60}" type="datetimeFigureOut">
               <a:rPr lang="en-US" smtClean="0"/>
-              <a:t>9/7/2017</a:t>
+              <a:t>9/10/2017</a:t>
             </a:fld>
             <a:endParaRPr lang="en-US"/>
           </a:p>
@@ -1418,7 +1418,7 @@
           <a:p>
             <a:fld id="{D5DCC788-7C24-4BBC-8D3D-D2AC82902F60}" type="datetimeFigureOut">
               <a:rPr lang="en-US" smtClean="0"/>
-              <a:t>9/7/2017</a:t>
+              <a:t>9/10/2017</a:t>
             </a:fld>
             <a:endParaRPr lang="en-US"/>
           </a:p>
@@ -1849,7 +1849,7 @@
           <a:p>
             <a:fld id="{D5DCC788-7C24-4BBC-8D3D-D2AC82902F60}" type="datetimeFigureOut">
               <a:rPr lang="en-US" smtClean="0"/>
-              <a:t>9/7/2017</a:t>
+              <a:t>9/10/2017</a:t>
             </a:fld>
             <a:endParaRPr lang="en-US"/>
           </a:p>
@@ -1967,7 +1967,7 @@
           <a:p>
             <a:fld id="{D5DCC788-7C24-4BBC-8D3D-D2AC82902F60}" type="datetimeFigureOut">
               <a:rPr lang="en-US" smtClean="0"/>
-              <a:t>9/7/2017</a:t>
+              <a:t>9/10/2017</a:t>
             </a:fld>
             <a:endParaRPr lang="en-US"/>
           </a:p>
@@ -2062,7 +2062,7 @@
           <a:p>
             <a:fld id="{D5DCC788-7C24-4BBC-8D3D-D2AC82902F60}" type="datetimeFigureOut">
               <a:rPr lang="en-US" smtClean="0"/>
-              <a:t>9/7/2017</a:t>
+              <a:t>9/10/2017</a:t>
             </a:fld>
             <a:endParaRPr lang="en-US"/>
           </a:p>
@@ -2371,7 +2371,7 @@
           <a:p>
             <a:fld id="{D5DCC788-7C24-4BBC-8D3D-D2AC82902F60}" type="datetimeFigureOut">
               <a:rPr lang="en-US" smtClean="0"/>
-              <a:t>9/7/2017</a:t>
+              <a:t>9/10/2017</a:t>
             </a:fld>
             <a:endParaRPr lang="en-US"/>
           </a:p>
@@ -2624,7 +2624,7 @@
           <a:p>
             <a:fld id="{D5DCC788-7C24-4BBC-8D3D-D2AC82902F60}" type="datetimeFigureOut">
               <a:rPr lang="en-US" smtClean="0"/>
-              <a:t>9/7/2017</a:t>
+              <a:t>9/10/2017</a:t>
             </a:fld>
             <a:endParaRPr lang="en-US"/>
           </a:p>
@@ -2869,7 +2869,7 @@
           <a:p>
             <a:fld id="{D5DCC788-7C24-4BBC-8D3D-D2AC82902F60}" type="datetimeFigureOut">
               <a:rPr lang="en-US" smtClean="0"/>
-              <a:t>9/7/2017</a:t>
+              <a:t>9/10/2017</a:t>
             </a:fld>
             <a:endParaRPr lang="en-US"/>
           </a:p>
@@ -4926,7 +4926,7 @@
         <p:spPr>
           <a:xfrm>
             <a:off x="449179" y="1690688"/>
-            <a:ext cx="5887453" cy="4801314"/>
+            <a:ext cx="5887453" cy="5909310"/>
           </a:xfrm>
           <a:prstGeom prst="rect">
             <a:avLst/>
@@ -4984,6 +4984,16 @@
             <a:r>
               <a:rPr lang="en-US" b="1" dirty="0" smtClean="0"/>
               <a:t>Common work flow: Check PMF, PDF. Confirm where CLT applies. What are parameters you are interested in? Create estimate for them. Check assumptions for the estimates. Check CI. Hypothesis Testing.</a:t>
+            </a:r>
+          </a:p>
+          <a:p>
+            <a:pPr marL="285750" indent="-285750">
+              <a:buFont typeface="Arial" panose="020B0604020202020204" pitchFamily="34" charset="0"/>
+              <a:buChar char="•"/>
+            </a:pPr>
+            <a:r>
+              <a:rPr lang="en-US" b="1" dirty="0" smtClean="0"/>
+              <a:t>The statistical analysis workflow: Specify population model, Estimate model parameters, Test Model Assumptions (Ask whether our data looks like a sample that could come from our model)</a:t>
             </a:r>
           </a:p>
           <a:p>
